--- a/Презентация.pptx
+++ b/Презентация.pptx
@@ -107,6 +107,11 @@
       </a:defRPr>
     </a:lvl9pPr>
   </p:defaultTextStyle>
+  <p:extLst>
+    <p:ext uri="{EFAFB233-063F-42B5-8137-9DF3F51BA10A}">
+      <p15:sldGuideLst xmlns:p15="http://schemas.microsoft.com/office/powerpoint/2012/main"/>
+    </p:ext>
+  </p:extLst>
 </p:presentation>
 </file>
 
@@ -257,7 +262,7 @@
           <a:p>
             <a:fld id="{687B4C37-4626-4CCB-B217-D943AC72ED30}" type="datetimeFigureOut">
               <a:rPr lang="ru-RU" smtClean="0"/>
-              <a:t>19.04.2023</a:t>
+              <a:t>23.04.2023</a:t>
             </a:fld>
             <a:endParaRPr lang="ru-RU"/>
           </a:p>
@@ -455,7 +460,7 @@
           <a:p>
             <a:fld id="{687B4C37-4626-4CCB-B217-D943AC72ED30}" type="datetimeFigureOut">
               <a:rPr lang="ru-RU" smtClean="0"/>
-              <a:t>19.04.2023</a:t>
+              <a:t>23.04.2023</a:t>
             </a:fld>
             <a:endParaRPr lang="ru-RU"/>
           </a:p>
@@ -663,7 +668,7 @@
           <a:p>
             <a:fld id="{687B4C37-4626-4CCB-B217-D943AC72ED30}" type="datetimeFigureOut">
               <a:rPr lang="ru-RU" smtClean="0"/>
-              <a:t>19.04.2023</a:t>
+              <a:t>23.04.2023</a:t>
             </a:fld>
             <a:endParaRPr lang="ru-RU"/>
           </a:p>
@@ -861,7 +866,7 @@
           <a:p>
             <a:fld id="{687B4C37-4626-4CCB-B217-D943AC72ED30}" type="datetimeFigureOut">
               <a:rPr lang="ru-RU" smtClean="0"/>
-              <a:t>19.04.2023</a:t>
+              <a:t>23.04.2023</a:t>
             </a:fld>
             <a:endParaRPr lang="ru-RU"/>
           </a:p>
@@ -1136,7 +1141,7 @@
           <a:p>
             <a:fld id="{687B4C37-4626-4CCB-B217-D943AC72ED30}" type="datetimeFigureOut">
               <a:rPr lang="ru-RU" smtClean="0"/>
-              <a:t>19.04.2023</a:t>
+              <a:t>23.04.2023</a:t>
             </a:fld>
             <a:endParaRPr lang="ru-RU"/>
           </a:p>
@@ -1401,7 +1406,7 @@
           <a:p>
             <a:fld id="{687B4C37-4626-4CCB-B217-D943AC72ED30}" type="datetimeFigureOut">
               <a:rPr lang="ru-RU" smtClean="0"/>
-              <a:t>19.04.2023</a:t>
+              <a:t>23.04.2023</a:t>
             </a:fld>
             <a:endParaRPr lang="ru-RU"/>
           </a:p>
@@ -1813,7 +1818,7 @@
           <a:p>
             <a:fld id="{687B4C37-4626-4CCB-B217-D943AC72ED30}" type="datetimeFigureOut">
               <a:rPr lang="ru-RU" smtClean="0"/>
-              <a:t>19.04.2023</a:t>
+              <a:t>23.04.2023</a:t>
             </a:fld>
             <a:endParaRPr lang="ru-RU"/>
           </a:p>
@@ -1954,7 +1959,7 @@
           <a:p>
             <a:fld id="{687B4C37-4626-4CCB-B217-D943AC72ED30}" type="datetimeFigureOut">
               <a:rPr lang="ru-RU" smtClean="0"/>
-              <a:t>19.04.2023</a:t>
+              <a:t>23.04.2023</a:t>
             </a:fld>
             <a:endParaRPr lang="ru-RU"/>
           </a:p>
@@ -2067,7 +2072,7 @@
           <a:p>
             <a:fld id="{687B4C37-4626-4CCB-B217-D943AC72ED30}" type="datetimeFigureOut">
               <a:rPr lang="ru-RU" smtClean="0"/>
-              <a:t>19.04.2023</a:t>
+              <a:t>23.04.2023</a:t>
             </a:fld>
             <a:endParaRPr lang="ru-RU"/>
           </a:p>
@@ -2378,7 +2383,7 @@
           <a:p>
             <a:fld id="{687B4C37-4626-4CCB-B217-D943AC72ED30}" type="datetimeFigureOut">
               <a:rPr lang="ru-RU" smtClean="0"/>
-              <a:t>19.04.2023</a:t>
+              <a:t>23.04.2023</a:t>
             </a:fld>
             <a:endParaRPr lang="ru-RU"/>
           </a:p>
@@ -2666,7 +2671,7 @@
           <a:p>
             <a:fld id="{687B4C37-4626-4CCB-B217-D943AC72ED30}" type="datetimeFigureOut">
               <a:rPr lang="ru-RU" smtClean="0"/>
-              <a:t>19.04.2023</a:t>
+              <a:t>23.04.2023</a:t>
             </a:fld>
             <a:endParaRPr lang="ru-RU"/>
           </a:p>
@@ -2907,7 +2912,7 @@
           <a:p>
             <a:fld id="{687B4C37-4626-4CCB-B217-D943AC72ED30}" type="datetimeFigureOut">
               <a:rPr lang="ru-RU" smtClean="0"/>
-              <a:t>19.04.2023</a:t>
+              <a:t>23.04.2023</a:t>
             </a:fld>
             <a:endParaRPr lang="ru-RU"/>
           </a:p>
@@ -3683,34 +3688,17 @@
                 <a:ea typeface="Calibri" panose="020F0502020204030204" pitchFamily="34" charset="0"/>
                 <a:cs typeface="Times New Roman" panose="02020603050405020304" pitchFamily="18" charset="0"/>
               </a:rPr>
-              <a:t>Планировка заказов</a:t>
-            </a:r>
-          </a:p>
-          <a:p>
-            <a:pPr marL="342900" lvl="0" indent="-342900">
-              <a:lnSpc>
-                <a:spcPct val="115000"/>
-              </a:lnSpc>
-              <a:spcAft>
-                <a:spcPts val="1000"/>
-              </a:spcAft>
-              <a:buFont typeface="Symbol" panose="05050102010706020507" pitchFamily="18" charset="2"/>
-              <a:buChar char=""/>
-            </a:pPr>
-            <a:r>
-              <a:rPr lang="ru-RU" dirty="0">
+              <a:t>Планировка </a:t>
+            </a:r>
+            <a:r>
+              <a:rPr lang="ru-RU" dirty="0" smtClean="0">
                 <a:effectLst/>
                 <a:latin typeface="Calibri" panose="020F0502020204030204" pitchFamily="34" charset="0"/>
                 <a:ea typeface="Calibri" panose="020F0502020204030204" pitchFamily="34" charset="0"/>
                 <a:cs typeface="Times New Roman" panose="02020603050405020304" pitchFamily="18" charset="0"/>
               </a:rPr>
-              <a:t>Иллюстрация акций и прочих рекламных ходов компании</a:t>
-            </a:r>
-          </a:p>
-          <a:p>
-            <a:pPr marL="0" indent="0">
-              <a:buNone/>
-            </a:pPr>
+              <a:t>заказов</a:t>
+            </a:r>
             <a:endParaRPr lang="ru-RU" dirty="0"/>
           </a:p>
         </p:txBody>
@@ -3813,11 +3801,11 @@
               <a:t>Библиотека языка </a:t>
             </a:r>
             <a:r>
-              <a:rPr lang="en-US" b="1" i="1" dirty="0"/>
-              <a:t>PyCharm</a:t>
-            </a:r>
-            <a:r>
-              <a:rPr lang="ru-RU" b="1" i="1" dirty="0"/>
+              <a:rPr lang="en-US" b="1" i="1" dirty="0" smtClean="0"/>
+              <a:t>Python</a:t>
+            </a:r>
+            <a:r>
+              <a:rPr lang="ru-RU" b="1" i="1" dirty="0" smtClean="0"/>
               <a:t> </a:t>
             </a:r>
             <a:r>
@@ -3841,7 +3829,7 @@
               <a:t>Репозиторий </a:t>
             </a:r>
             <a:r>
-              <a:rPr lang="en-US"/>
+              <a:rPr lang="en-US" dirty="0" err="1"/>
               <a:t>Git</a:t>
             </a:r>
             <a:endParaRPr lang="ru-RU" dirty="0"/>

--- a/Презентация.pptx
+++ b/Презентация.pptx
@@ -3797,8 +3797,8 @@
           </a:p>
           <a:p>
             <a:r>
-              <a:rPr lang="ru-RU" dirty="0"/>
-              <a:t>Библиотека языка </a:t>
+              <a:rPr lang="ru-RU" dirty="0" smtClean="0"/>
+              <a:t>Библиотеки языка </a:t>
             </a:r>
             <a:r>
               <a:rPr lang="en-US" b="1" i="1" dirty="0" smtClean="0"/>
@@ -3809,9 +3809,14 @@
               <a:t> </a:t>
             </a:r>
             <a:r>
-              <a:rPr lang="en-US" dirty="0"/>
-              <a:t>flask</a:t>
-            </a:r>
+              <a:rPr lang="en-US" dirty="0" smtClean="0"/>
+              <a:t>flask, </a:t>
+            </a:r>
+            <a:r>
+              <a:rPr lang="en-US" smtClean="0"/>
+              <a:t>sqlalchemy</a:t>
+            </a:r>
+            <a:endParaRPr lang="en-US" dirty="0"/>
           </a:p>
           <a:p>
             <a:r>
@@ -3846,6 +3851,13 @@
   <p:clrMapOvr>
     <a:masterClrMapping/>
   </p:clrMapOvr>
+  <p:timing>
+    <p:tnLst>
+      <p:par>
+        <p:cTn id="1" dur="indefinite" restart="never" nodeType="tmRoot"/>
+      </p:par>
+    </p:tnLst>
+  </p:timing>
 </p:sld>
 </file>
 
